--- a/CORE-2013-kFuzz.pptx
+++ b/CORE-2013-kFuzz.pptx
@@ -5,14 +5,18 @@
     <p:sldMasterId id="2147483665" r:id="rId1"/>
   </p:sldMasterIdLst>
   <p:notesMasterIdLst>
-    <p:notesMasterId r:id="rId7"/>
+    <p:notesMasterId r:id="rId11"/>
   </p:notesMasterIdLst>
   <p:sldIdLst>
     <p:sldId id="257" r:id="rId2"/>
     <p:sldId id="258" r:id="rId3"/>
     <p:sldId id="259" r:id="rId4"/>
     <p:sldId id="260" r:id="rId5"/>
-    <p:sldId id="261" r:id="rId6"/>
+    <p:sldId id="262" r:id="rId6"/>
+    <p:sldId id="263" r:id="rId7"/>
+    <p:sldId id="264" r:id="rId8"/>
+    <p:sldId id="265" r:id="rId9"/>
+    <p:sldId id="261" r:id="rId10"/>
   </p:sldIdLst>
   <p:sldSz cx="9144000" cy="6858000" type="screen4x3"/>
   <p:notesSz cx="6858000" cy="9144000"/>
@@ -120,13 +124,17 @@
             <p14:sldId id="258"/>
             <p14:sldId id="259"/>
             <p14:sldId id="260"/>
+            <p14:sldId id="262"/>
+            <p14:sldId id="263"/>
+            <p14:sldId id="264"/>
+            <p14:sldId id="265"/>
             <p14:sldId id="261"/>
           </p14:sldIdLst>
         </p14:section>
       </p14:sectionLst>
     </p:ext>
     <p:ext uri="{EFAFB233-063F-42B5-8137-9DF3F51BA10A}">
-      <p15:sldGuideLst xmlns:p15="http://schemas.microsoft.com/office/powerpoint/2012/main" xmlns="">
+      <p15:sldGuideLst xmlns="" xmlns:p15="http://schemas.microsoft.com/office/powerpoint/2012/main">
         <p15:guide id="1" orient="horz" pos="2160">
           <p15:clr>
             <a:srgbClr val="A4A3A4"/>
@@ -226,7 +234,7 @@
             <a:fld id="{602AC545-3809-4BE9-B9A3-5EF09702671D}" type="datetimeFigureOut">
               <a:rPr lang="en-US" smtClean="0"/>
               <a:pPr/>
-              <a:t>7/8/2013</a:t>
+              <a:t>10/24/2013</a:t>
             </a:fld>
             <a:endParaRPr lang="en-US"/>
           </a:p>
@@ -5244,7 +5252,7 @@
           <a:p>
             <a:r>
               <a:rPr lang="en-US" dirty="0" smtClean="0"/>
-              <a:t>Level</a:t>
+              <a:t>Matthew Bergin</a:t>
             </a:r>
             <a:endParaRPr lang="en-US" dirty="0" smtClean="0"/>
           </a:p>
@@ -5302,11 +5310,7 @@
           <a:p>
             <a:r>
               <a:rPr lang="en-US" dirty="0" smtClean="0"/>
-              <a:t>Spot the </a:t>
-            </a:r>
-            <a:r>
-              <a:rPr lang="en-US" dirty="0" smtClean="0"/>
-              <a:t>Developer?</a:t>
+              <a:t>Spot the Developer?</a:t>
             </a:r>
             <a:endParaRPr lang="en-US" dirty="0"/>
           </a:p>
@@ -5329,27 +5333,28 @@
           <a:p>
             <a:r>
               <a:rPr lang="en-US" dirty="0" smtClean="0"/>
-              <a:t>Level</a:t>
-            </a:r>
+              <a:t>Matt (Level)</a:t>
+            </a:r>
+            <a:endParaRPr lang="en-US" dirty="0" smtClean="0"/>
           </a:p>
           <a:p>
             <a:pPr lvl="1"/>
             <a:r>
               <a:rPr lang="en-US" dirty="0" smtClean="0"/>
-              <a:t>Age 24</a:t>
-            </a:r>
+              <a:t>Age </a:t>
+            </a:r>
+            <a:r>
+              <a:rPr lang="en-US" dirty="0" smtClean="0"/>
+              <a:t>25</a:t>
+            </a:r>
+            <a:endParaRPr lang="en-US" dirty="0" smtClean="0"/>
           </a:p>
           <a:p>
             <a:pPr lvl="1"/>
             <a:r>
               <a:rPr lang="en-US" dirty="0" smtClean="0"/>
-              <a:t>Senior Security </a:t>
-            </a:r>
-            <a:r>
-              <a:rPr lang="en-US" dirty="0" smtClean="0"/>
-              <a:t>Consultant</a:t>
-            </a:r>
-            <a:endParaRPr lang="en-US" dirty="0" smtClean="0"/>
+              <a:t>Senior Security Consultant</a:t>
+            </a:r>
           </a:p>
         </p:txBody>
       </p:sp>
@@ -5424,11 +5429,7 @@
           <a:p>
             <a:r>
               <a:rPr lang="en-US" dirty="0" smtClean="0"/>
-              <a:t>What </a:t>
-            </a:r>
-            <a:r>
-              <a:rPr lang="en-US" dirty="0" smtClean="0"/>
-              <a:t>is </a:t>
+              <a:t>What is </a:t>
             </a:r>
             <a:r>
               <a:rPr lang="en-US" dirty="0" err="1" smtClean="0"/>
@@ -5724,7 +5725,11 @@
           <a:p>
             <a:r>
               <a:rPr lang="en-US" dirty="0" smtClean="0"/>
-              <a:t>Demo</a:t>
+              <a:t>Supported </a:t>
+            </a:r>
+            <a:r>
+              <a:rPr lang="en-US" dirty="0" err="1" smtClean="0"/>
+              <a:t>mutators</a:t>
             </a:r>
             <a:endParaRPr lang="en-US" dirty="0"/>
           </a:p>
@@ -5742,10 +5747,92 @@
         </p:nvSpPr>
         <p:spPr/>
         <p:txBody>
-          <a:bodyPr/>
+          <a:bodyPr>
+            <a:normAutofit fontScale="92500" lnSpcReduction="20000"/>
+          </a:bodyPr>
           <a:lstStyle/>
           <a:p>
-            <a:endParaRPr lang="en-US"/>
+            <a:r>
+              <a:rPr lang="en-US" dirty="0" smtClean="0"/>
+              <a:t>Strings </a:t>
+            </a:r>
+          </a:p>
+          <a:p>
+            <a:pPr lvl="1"/>
+            <a:r>
+              <a:rPr lang="en-US" dirty="0" smtClean="0"/>
+              <a:t>Example: a-zA-Z0-9</a:t>
+            </a:r>
+          </a:p>
+          <a:p>
+            <a:endParaRPr lang="en-US" dirty="0" smtClean="0"/>
+          </a:p>
+          <a:p>
+            <a:r>
+              <a:rPr lang="en-US" dirty="0" smtClean="0"/>
+              <a:t>Special characters </a:t>
+            </a:r>
+          </a:p>
+          <a:p>
+            <a:pPr lvl="1"/>
+            <a:r>
+              <a:rPr lang="en-US" dirty="0" smtClean="0"/>
+              <a:t>Example: +_)(*&amp;^%$#@!`~-=\][;’/.,&lt;&gt;?:”{}| </a:t>
+            </a:r>
+          </a:p>
+          <a:p>
+            <a:endParaRPr lang="en-US" dirty="0" smtClean="0"/>
+          </a:p>
+          <a:p>
+            <a:r>
+              <a:rPr lang="en-US" dirty="0" smtClean="0"/>
+              <a:t>Format strings </a:t>
+            </a:r>
+          </a:p>
+          <a:p>
+            <a:pPr lvl="1"/>
+            <a:r>
+              <a:rPr lang="en-US" dirty="0" smtClean="0"/>
+              <a:t>Example: %4x%n</a:t>
+            </a:r>
+          </a:p>
+          <a:p>
+            <a:endParaRPr lang="en-US" dirty="0"/>
+          </a:p>
+          <a:p>
+            <a:r>
+              <a:rPr lang="en-US" dirty="0" smtClean="0"/>
+              <a:t>Large &amp; Negative numbers </a:t>
+            </a:r>
+          </a:p>
+          <a:p>
+            <a:pPr lvl="1"/>
+            <a:r>
+              <a:rPr lang="en-US" dirty="0" smtClean="0"/>
+              <a:t>Example: -429872348975234</a:t>
+            </a:r>
+          </a:p>
+          <a:p>
+            <a:endParaRPr lang="en-US" dirty="0"/>
+          </a:p>
+          <a:p>
+            <a:r>
+              <a:rPr lang="en-US" dirty="0" smtClean="0"/>
+              <a:t>Predefined </a:t>
+            </a:r>
+            <a:r>
+              <a:rPr lang="en-US" dirty="0" err="1" smtClean="0"/>
+              <a:t>dwords</a:t>
+            </a:r>
+            <a:endParaRPr lang="en-US" dirty="0" smtClean="0"/>
+          </a:p>
+          <a:p>
+            <a:pPr lvl="1"/>
+            <a:r>
+              <a:rPr lang="en-US" dirty="0" smtClean="0"/>
+              <a:t>Example: 0x00000000, 0xFFFFFFFF, 0x00001000</a:t>
+            </a:r>
+            <a:endParaRPr lang="en-US" dirty="0"/>
           </a:p>
         </p:txBody>
       </p:sp>
@@ -5768,6 +5855,628 @@
               <a:rPr lang="en-US" smtClean="0"/>
               <a:pPr/>
               <a:t>5</a:t>
+            </a:fld>
+            <a:endParaRPr lang="en-US"/>
+          </a:p>
+        </p:txBody>
+      </p:sp>
+    </p:spTree>
+    <p:extLst>
+      <p:ext uri="{BB962C8B-B14F-4D97-AF65-F5344CB8AC3E}">
+        <p14:creationId xmlns:p14="http://schemas.microsoft.com/office/powerpoint/2010/main" val="3654348429"/>
+      </p:ext>
+    </p:extLst>
+  </p:cSld>
+  <p:clrMapOvr>
+    <a:masterClrMapping/>
+  </p:clrMapOvr>
+</p:sld>
+</file>
+
+<file path=ppt/slides/slide6.xml><?xml version="1.0" encoding="utf-8"?>
+<p:sld xmlns:a="http://schemas.openxmlformats.org/drawingml/2006/main" xmlns:r="http://schemas.openxmlformats.org/officeDocument/2006/relationships" xmlns:p="http://schemas.openxmlformats.org/presentationml/2006/main">
+  <p:cSld>
+    <p:spTree>
+      <p:nvGrpSpPr>
+        <p:cNvPr id="1" name=""/>
+        <p:cNvGrpSpPr/>
+        <p:nvPr/>
+      </p:nvGrpSpPr>
+      <p:grpSpPr>
+        <a:xfrm>
+          <a:off x="0" y="0"/>
+          <a:ext cx="0" cy="0"/>
+          <a:chOff x="0" y="0"/>
+          <a:chExt cx="0" cy="0"/>
+        </a:xfrm>
+      </p:grpSpPr>
+      <p:sp>
+        <p:nvSpPr>
+          <p:cNvPr id="2" name="Title 1"/>
+          <p:cNvSpPr>
+            <a:spLocks noGrp="1"/>
+          </p:cNvSpPr>
+          <p:nvPr>
+            <p:ph type="title"/>
+          </p:nvPr>
+        </p:nvSpPr>
+        <p:spPr/>
+        <p:txBody>
+          <a:bodyPr/>
+          <a:lstStyle/>
+          <a:p>
+            <a:r>
+              <a:rPr lang="en-US" dirty="0" smtClean="0"/>
+              <a:t>Memory management</a:t>
+            </a:r>
+            <a:endParaRPr lang="en-US" dirty="0"/>
+          </a:p>
+        </p:txBody>
+      </p:sp>
+      <p:sp>
+        <p:nvSpPr>
+          <p:cNvPr id="4" name="Slide Number Placeholder 3"/>
+          <p:cNvSpPr>
+            <a:spLocks noGrp="1"/>
+          </p:cNvSpPr>
+          <p:nvPr>
+            <p:ph type="sldNum" sz="quarter" idx="4"/>
+          </p:nvPr>
+        </p:nvSpPr>
+        <p:spPr/>
+        <p:txBody>
+          <a:bodyPr/>
+          <a:lstStyle/>
+          <a:p>
+            <a:fld id="{8E7B8869-96A0-43E5-8E5A-451507D1A813}" type="slidenum">
+              <a:rPr lang="en-US" smtClean="0"/>
+              <a:pPr/>
+              <a:t>6</a:t>
+            </a:fld>
+            <a:endParaRPr lang="en-US"/>
+          </a:p>
+        </p:txBody>
+      </p:sp>
+      <p:pic>
+        <p:nvPicPr>
+          <p:cNvPr id="1026" name="Picture 2"/>
+          <p:cNvPicPr>
+            <a:picLocks noChangeAspect="1" noChangeArrowheads="1"/>
+          </p:cNvPicPr>
+          <p:nvPr/>
+        </p:nvPicPr>
+        <p:blipFill>
+          <a:blip r:embed="rId2">
+            <a:extLst>
+              <a:ext uri="{28A0092B-C50C-407E-A947-70E740481C1C}">
+                <a14:useLocalDpi xmlns:a14="http://schemas.microsoft.com/office/drawing/2010/main" val="0"/>
+              </a:ext>
+            </a:extLst>
+          </a:blip>
+          <a:srcRect/>
+          <a:stretch>
+            <a:fillRect/>
+          </a:stretch>
+        </p:blipFill>
+        <p:spPr bwMode="auto">
+          <a:xfrm>
+            <a:off x="457200" y="2242750"/>
+            <a:ext cx="8215313" cy="2557849"/>
+          </a:xfrm>
+          <a:prstGeom prst="rect">
+            <a:avLst/>
+          </a:prstGeom>
+          <a:noFill/>
+          <a:ln>
+            <a:noFill/>
+          </a:ln>
+          <a:extLst>
+            <a:ext uri="{909E8E84-426E-40DD-AFC4-6F175D3DCCD1}">
+              <a14:hiddenFill xmlns:a14="http://schemas.microsoft.com/office/drawing/2010/main">
+                <a:solidFill>
+                  <a:schemeClr val="accent1"/>
+                </a:solidFill>
+              </a14:hiddenFill>
+            </a:ext>
+            <a:ext uri="{91240B29-F687-4F45-9708-019B960494DF}">
+              <a14:hiddenLine xmlns:a14="http://schemas.microsoft.com/office/drawing/2010/main" w="9525">
+                <a:solidFill>
+                  <a:schemeClr val="tx1"/>
+                </a:solidFill>
+                <a:miter lim="800000"/>
+                <a:headEnd/>
+                <a:tailEnd/>
+              </a14:hiddenLine>
+            </a:ext>
+          </a:extLst>
+        </p:spPr>
+      </p:pic>
+    </p:spTree>
+    <p:extLst>
+      <p:ext uri="{BB962C8B-B14F-4D97-AF65-F5344CB8AC3E}">
+        <p14:creationId xmlns:p14="http://schemas.microsoft.com/office/powerpoint/2010/main" val="4248566259"/>
+      </p:ext>
+    </p:extLst>
+  </p:cSld>
+  <p:clrMapOvr>
+    <a:masterClrMapping/>
+  </p:clrMapOvr>
+</p:sld>
+</file>
+
+<file path=ppt/slides/slide7.xml><?xml version="1.0" encoding="utf-8"?>
+<p:sld xmlns:a="http://schemas.openxmlformats.org/drawingml/2006/main" xmlns:r="http://schemas.openxmlformats.org/officeDocument/2006/relationships" xmlns:p="http://schemas.openxmlformats.org/presentationml/2006/main">
+  <p:cSld>
+    <p:spTree>
+      <p:nvGrpSpPr>
+        <p:cNvPr id="1" name=""/>
+        <p:cNvGrpSpPr/>
+        <p:nvPr/>
+      </p:nvGrpSpPr>
+      <p:grpSpPr>
+        <a:xfrm>
+          <a:off x="0" y="0"/>
+          <a:ext cx="0" cy="0"/>
+          <a:chOff x="0" y="0"/>
+          <a:chExt cx="0" cy="0"/>
+        </a:xfrm>
+      </p:grpSpPr>
+      <p:sp>
+        <p:nvSpPr>
+          <p:cNvPr id="2" name="Title 1"/>
+          <p:cNvSpPr>
+            <a:spLocks noGrp="1"/>
+          </p:cNvSpPr>
+          <p:nvPr>
+            <p:ph type="title"/>
+          </p:nvPr>
+        </p:nvSpPr>
+        <p:spPr/>
+        <p:txBody>
+          <a:bodyPr/>
+          <a:lstStyle/>
+          <a:p>
+            <a:r>
+              <a:rPr lang="en-US" dirty="0" smtClean="0"/>
+              <a:t>Memory management, cont.</a:t>
+            </a:r>
+            <a:endParaRPr lang="en-US" dirty="0"/>
+          </a:p>
+        </p:txBody>
+      </p:sp>
+      <p:sp>
+        <p:nvSpPr>
+          <p:cNvPr id="3" name="Content Placeholder 2"/>
+          <p:cNvSpPr>
+            <a:spLocks noGrp="1"/>
+          </p:cNvSpPr>
+          <p:nvPr>
+            <p:ph sz="quarter" idx="10"/>
+          </p:nvPr>
+        </p:nvSpPr>
+        <p:spPr/>
+        <p:txBody>
+          <a:bodyPr>
+            <a:normAutofit/>
+          </a:bodyPr>
+          <a:lstStyle/>
+          <a:p>
+            <a:r>
+              <a:rPr lang="en-US" dirty="0" smtClean="0"/>
+              <a:t>Python package </a:t>
+            </a:r>
+            <a:r>
+              <a:rPr lang="en-US" dirty="0" err="1" smtClean="0"/>
+              <a:t>ctypes</a:t>
+            </a:r>
+            <a:endParaRPr lang="en-US" dirty="0"/>
+          </a:p>
+          <a:p>
+            <a:endParaRPr lang="en-US" dirty="0" smtClean="0"/>
+          </a:p>
+          <a:p>
+            <a:r>
+              <a:rPr lang="en-US" dirty="0" smtClean="0"/>
+              <a:t>Allows for calls into the Windows API</a:t>
+            </a:r>
+          </a:p>
+          <a:p>
+            <a:endParaRPr lang="en-US" dirty="0"/>
+          </a:p>
+          <a:p>
+            <a:r>
+              <a:rPr lang="en-US" dirty="0" smtClean="0"/>
+              <a:t>ntdll.dll exports </a:t>
+            </a:r>
+            <a:r>
+              <a:rPr lang="en-US" dirty="0" err="1" smtClean="0"/>
+              <a:t>NtAllocateVirtualMemory</a:t>
+            </a:r>
+            <a:endParaRPr lang="en-US" dirty="0" smtClean="0"/>
+          </a:p>
+          <a:p>
+            <a:pPr marL="0" indent="0">
+              <a:buNone/>
+            </a:pPr>
+            <a:endParaRPr lang="en-US" dirty="0"/>
+          </a:p>
+          <a:p>
+            <a:r>
+              <a:rPr lang="en-US" dirty="0" smtClean="0"/>
+              <a:t>All Windows variations</a:t>
+            </a:r>
+          </a:p>
+          <a:p>
+            <a:pPr lvl="1"/>
+            <a:r>
+              <a:rPr lang="en-US" dirty="0" err="1" smtClean="0"/>
+              <a:t>NtAllocateVirtualMemory</a:t>
+            </a:r>
+            <a:r>
+              <a:rPr lang="en-US" dirty="0" smtClean="0"/>
+              <a:t>()</a:t>
+            </a:r>
+          </a:p>
+          <a:p>
+            <a:pPr lvl="2"/>
+            <a:r>
+              <a:rPr lang="en-US" dirty="0" smtClean="0"/>
+              <a:t>Windows XP</a:t>
+            </a:r>
+          </a:p>
+          <a:p>
+            <a:pPr lvl="3"/>
+            <a:r>
+              <a:rPr lang="en-US" dirty="0" smtClean="0"/>
+              <a:t>Supports mapping of NULL page (0x00000000-0x00001000)</a:t>
+            </a:r>
+          </a:p>
+          <a:p>
+            <a:pPr lvl="4"/>
+            <a:r>
+              <a:rPr lang="en-US" dirty="0" smtClean="0"/>
+              <a:t>NULL Dereference</a:t>
+            </a:r>
+            <a:endParaRPr lang="en-US" dirty="0"/>
+          </a:p>
+        </p:txBody>
+      </p:sp>
+      <p:sp>
+        <p:nvSpPr>
+          <p:cNvPr id="4" name="Slide Number Placeholder 3"/>
+          <p:cNvSpPr>
+            <a:spLocks noGrp="1"/>
+          </p:cNvSpPr>
+          <p:nvPr>
+            <p:ph type="sldNum" sz="quarter" idx="4"/>
+          </p:nvPr>
+        </p:nvSpPr>
+        <p:spPr/>
+        <p:txBody>
+          <a:bodyPr/>
+          <a:lstStyle/>
+          <a:p>
+            <a:fld id="{8E7B8869-96A0-43E5-8E5A-451507D1A813}" type="slidenum">
+              <a:rPr lang="en-US" smtClean="0"/>
+              <a:pPr/>
+              <a:t>7</a:t>
+            </a:fld>
+            <a:endParaRPr lang="en-US"/>
+          </a:p>
+        </p:txBody>
+      </p:sp>
+    </p:spTree>
+    <p:extLst>
+      <p:ext uri="{BB962C8B-B14F-4D97-AF65-F5344CB8AC3E}">
+        <p14:creationId xmlns:p14="http://schemas.microsoft.com/office/powerpoint/2010/main" val="3038228200"/>
+      </p:ext>
+    </p:extLst>
+  </p:cSld>
+  <p:clrMapOvr>
+    <a:masterClrMapping/>
+  </p:clrMapOvr>
+</p:sld>
+</file>
+
+<file path=ppt/slides/slide8.xml><?xml version="1.0" encoding="utf-8"?>
+<p:sld xmlns:a="http://schemas.openxmlformats.org/drawingml/2006/main" xmlns:r="http://schemas.openxmlformats.org/officeDocument/2006/relationships" xmlns:p="http://schemas.openxmlformats.org/presentationml/2006/main">
+  <p:cSld>
+    <p:spTree>
+      <p:nvGrpSpPr>
+        <p:cNvPr id="1" name=""/>
+        <p:cNvGrpSpPr/>
+        <p:nvPr/>
+      </p:nvGrpSpPr>
+      <p:grpSpPr>
+        <a:xfrm>
+          <a:off x="0" y="0"/>
+          <a:ext cx="0" cy="0"/>
+          <a:chOff x="0" y="0"/>
+          <a:chExt cx="0" cy="0"/>
+        </a:xfrm>
+      </p:grpSpPr>
+      <p:sp>
+        <p:nvSpPr>
+          <p:cNvPr id="2" name="Title 1"/>
+          <p:cNvSpPr>
+            <a:spLocks noGrp="1"/>
+          </p:cNvSpPr>
+          <p:nvPr>
+            <p:ph type="title"/>
+          </p:nvPr>
+        </p:nvSpPr>
+        <p:spPr/>
+        <p:txBody>
+          <a:bodyPr/>
+          <a:lstStyle/>
+          <a:p>
+            <a:r>
+              <a:rPr lang="en-US" dirty="0" smtClean="0"/>
+              <a:t>Trigger </a:t>
+            </a:r>
+            <a:r>
+              <a:rPr lang="en-US" dirty="0"/>
+              <a:t>e</a:t>
+            </a:r>
+            <a:r>
+              <a:rPr lang="en-US" dirty="0" smtClean="0"/>
+              <a:t>xample</a:t>
+            </a:r>
+            <a:endParaRPr lang="en-US" dirty="0"/>
+          </a:p>
+        </p:txBody>
+      </p:sp>
+      <p:sp>
+        <p:nvSpPr>
+          <p:cNvPr id="4" name="Slide Number Placeholder 3"/>
+          <p:cNvSpPr>
+            <a:spLocks noGrp="1"/>
+          </p:cNvSpPr>
+          <p:nvPr>
+            <p:ph type="sldNum" sz="quarter" idx="4"/>
+          </p:nvPr>
+        </p:nvSpPr>
+        <p:spPr/>
+        <p:txBody>
+          <a:bodyPr/>
+          <a:lstStyle/>
+          <a:p>
+            <a:fld id="{8E7B8869-96A0-43E5-8E5A-451507D1A813}" type="slidenum">
+              <a:rPr lang="en-US" smtClean="0"/>
+              <a:pPr/>
+              <a:t>8</a:t>
+            </a:fld>
+            <a:endParaRPr lang="en-US" dirty="0"/>
+          </a:p>
+        </p:txBody>
+      </p:sp>
+      <p:pic>
+        <p:nvPicPr>
+          <p:cNvPr id="2050" name="Picture 2"/>
+          <p:cNvPicPr>
+            <a:picLocks noChangeAspect="1" noChangeArrowheads="1"/>
+          </p:cNvPicPr>
+          <p:nvPr/>
+        </p:nvPicPr>
+        <p:blipFill>
+          <a:blip r:embed="rId2">
+            <a:extLst>
+              <a:ext uri="{28A0092B-C50C-407E-A947-70E740481C1C}">
+                <a14:useLocalDpi xmlns:a14="http://schemas.microsoft.com/office/drawing/2010/main" val="0"/>
+              </a:ext>
+            </a:extLst>
+          </a:blip>
+          <a:srcRect/>
+          <a:stretch>
+            <a:fillRect/>
+          </a:stretch>
+        </p:blipFill>
+        <p:spPr bwMode="auto">
+          <a:xfrm>
+            <a:off x="332939" y="1600200"/>
+            <a:ext cx="8430061" cy="3014663"/>
+          </a:xfrm>
+          <a:prstGeom prst="rect">
+            <a:avLst/>
+          </a:prstGeom>
+          <a:noFill/>
+          <a:ln>
+            <a:noFill/>
+          </a:ln>
+          <a:extLst>
+            <a:ext uri="{909E8E84-426E-40DD-AFC4-6F175D3DCCD1}">
+              <a14:hiddenFill xmlns:a14="http://schemas.microsoft.com/office/drawing/2010/main">
+                <a:solidFill>
+                  <a:schemeClr val="accent1"/>
+                </a:solidFill>
+              </a14:hiddenFill>
+            </a:ext>
+            <a:ext uri="{91240B29-F687-4F45-9708-019B960494DF}">
+              <a14:hiddenLine xmlns:a14="http://schemas.microsoft.com/office/drawing/2010/main" w="9525">
+                <a:solidFill>
+                  <a:schemeClr val="tx1"/>
+                </a:solidFill>
+                <a:miter lim="800000"/>
+                <a:headEnd/>
+                <a:tailEnd/>
+              </a14:hiddenLine>
+            </a:ext>
+          </a:extLst>
+        </p:spPr>
+      </p:pic>
+      <p:sp>
+        <p:nvSpPr>
+          <p:cNvPr id="7" name="Content Placeholder 2"/>
+          <p:cNvSpPr>
+            <a:spLocks noGrp="1"/>
+          </p:cNvSpPr>
+          <p:nvPr>
+            <p:ph sz="quarter" idx="10"/>
+          </p:nvPr>
+        </p:nvSpPr>
+        <p:spPr>
+          <a:xfrm>
+            <a:off x="457200" y="4614862"/>
+            <a:ext cx="8229600" cy="1633537"/>
+          </a:xfrm>
+        </p:spPr>
+        <p:txBody>
+          <a:bodyPr>
+            <a:normAutofit fontScale="85000" lnSpcReduction="20000"/>
+          </a:bodyPr>
+          <a:lstStyle/>
+          <a:p>
+            <a:pPr marL="457200" indent="-457200">
+              <a:buFont typeface="+mj-lt"/>
+              <a:buAutoNum type="arabicPeriod"/>
+            </a:pPr>
+            <a:r>
+              <a:rPr lang="en-US" dirty="0" smtClean="0"/>
+              <a:t>Import dependencies</a:t>
+            </a:r>
+          </a:p>
+          <a:p>
+            <a:pPr marL="457200" indent="-457200">
+              <a:buFont typeface="+mj-lt"/>
+              <a:buAutoNum type="arabicPeriod"/>
+            </a:pPr>
+            <a:r>
+              <a:rPr lang="en-US" dirty="0" smtClean="0"/>
+              <a:t>Define required functions</a:t>
+            </a:r>
+          </a:p>
+          <a:p>
+            <a:pPr marL="457200" indent="-457200">
+              <a:buFont typeface="+mj-lt"/>
+              <a:buAutoNum type="arabicPeriod"/>
+            </a:pPr>
+            <a:r>
+              <a:rPr lang="en-US" dirty="0" smtClean="0"/>
+              <a:t>Create device handle</a:t>
+            </a:r>
+          </a:p>
+          <a:p>
+            <a:pPr marL="457200" indent="-457200">
+              <a:buFont typeface="+mj-lt"/>
+              <a:buAutoNum type="arabicPeriod"/>
+            </a:pPr>
+            <a:r>
+              <a:rPr lang="en-US" dirty="0" smtClean="0"/>
+              <a:t>Map memory</a:t>
+            </a:r>
+          </a:p>
+          <a:p>
+            <a:pPr marL="457200" indent="-457200">
+              <a:buFont typeface="+mj-lt"/>
+              <a:buAutoNum type="arabicPeriod"/>
+            </a:pPr>
+            <a:r>
+              <a:rPr lang="en-US" dirty="0" smtClean="0"/>
+              <a:t>Call </a:t>
+            </a:r>
+            <a:r>
+              <a:rPr lang="en-US" dirty="0" err="1" smtClean="0"/>
+              <a:t>DeviceIoControl</a:t>
+            </a:r>
+            <a:r>
+              <a:rPr lang="en-US" dirty="0" smtClean="0"/>
+              <a:t>()</a:t>
+            </a:r>
+            <a:endParaRPr lang="en-US" dirty="0"/>
+          </a:p>
+        </p:txBody>
+      </p:sp>
+    </p:spTree>
+    <p:extLst>
+      <p:ext uri="{BB962C8B-B14F-4D97-AF65-F5344CB8AC3E}">
+        <p14:creationId xmlns:p14="http://schemas.microsoft.com/office/powerpoint/2010/main" val="612414875"/>
+      </p:ext>
+    </p:extLst>
+  </p:cSld>
+  <p:clrMapOvr>
+    <a:masterClrMapping/>
+  </p:clrMapOvr>
+</p:sld>
+</file>
+
+<file path=ppt/slides/slide9.xml><?xml version="1.0" encoding="utf-8"?>
+<p:sld xmlns:a="http://schemas.openxmlformats.org/drawingml/2006/main" xmlns:r="http://schemas.openxmlformats.org/officeDocument/2006/relationships" xmlns:p="http://schemas.openxmlformats.org/presentationml/2006/main">
+  <p:cSld>
+    <p:spTree>
+      <p:nvGrpSpPr>
+        <p:cNvPr id="1" name=""/>
+        <p:cNvGrpSpPr/>
+        <p:nvPr/>
+      </p:nvGrpSpPr>
+      <p:grpSpPr>
+        <a:xfrm>
+          <a:off x="0" y="0"/>
+          <a:ext cx="0" cy="0"/>
+          <a:chOff x="0" y="0"/>
+          <a:chExt cx="0" cy="0"/>
+        </a:xfrm>
+      </p:grpSpPr>
+      <p:sp>
+        <p:nvSpPr>
+          <p:cNvPr id="2" name="Title 1"/>
+          <p:cNvSpPr>
+            <a:spLocks noGrp="1"/>
+          </p:cNvSpPr>
+          <p:nvPr>
+            <p:ph type="title"/>
+          </p:nvPr>
+        </p:nvSpPr>
+        <p:spPr/>
+        <p:txBody>
+          <a:bodyPr/>
+          <a:lstStyle/>
+          <a:p>
+            <a:r>
+              <a:rPr lang="en-US" dirty="0" smtClean="0"/>
+              <a:t>Demo</a:t>
+            </a:r>
+            <a:endParaRPr lang="en-US" dirty="0"/>
+          </a:p>
+        </p:txBody>
+      </p:sp>
+      <p:sp>
+        <p:nvSpPr>
+          <p:cNvPr id="3" name="Content Placeholder 2"/>
+          <p:cNvSpPr>
+            <a:spLocks noGrp="1"/>
+          </p:cNvSpPr>
+          <p:nvPr>
+            <p:ph sz="quarter" idx="10"/>
+          </p:nvPr>
+        </p:nvSpPr>
+        <p:spPr/>
+        <p:txBody>
+          <a:bodyPr/>
+          <a:lstStyle/>
+          <a:p>
+            <a:endParaRPr lang="en-US"/>
+          </a:p>
+        </p:txBody>
+      </p:sp>
+      <p:sp>
+        <p:nvSpPr>
+          <p:cNvPr id="4" name="Slide Number Placeholder 3"/>
+          <p:cNvSpPr>
+            <a:spLocks noGrp="1"/>
+          </p:cNvSpPr>
+          <p:nvPr>
+            <p:ph type="sldNum" sz="quarter" idx="4"/>
+          </p:nvPr>
+        </p:nvSpPr>
+        <p:spPr/>
+        <p:txBody>
+          <a:bodyPr/>
+          <a:lstStyle/>
+          <a:p>
+            <a:fld id="{8E7B8869-96A0-43E5-8E5A-451507D1A813}" type="slidenum">
+              <a:rPr lang="en-US" smtClean="0"/>
+              <a:pPr/>
+              <a:t>9</a:t>
             </a:fld>
             <a:endParaRPr lang="en-US"/>
           </a:p>
